--- a/PresentationEliyahuMintz.pptx
+++ b/PresentationEliyahuMintz.pptx
@@ -5,10 +5,10 @@
     <p:sldMasterId id="2147483648" r:id="rId1"/>
   </p:sldMasterIdLst>
   <p:notesMasterIdLst>
-    <p:notesMasterId r:id="rId25"/>
+    <p:notesMasterId r:id="rId26"/>
   </p:notesMasterIdLst>
   <p:handoutMasterIdLst>
-    <p:handoutMasterId r:id="rId26"/>
+    <p:handoutMasterId r:id="rId27"/>
   </p:handoutMasterIdLst>
   <p:sldIdLst>
     <p:sldId id="269" r:id="rId2"/>
@@ -33,7 +33,8 @@
     <p:sldId id="295" r:id="rId21"/>
     <p:sldId id="263" r:id="rId22"/>
     <p:sldId id="294" r:id="rId23"/>
-    <p:sldId id="280" r:id="rId24"/>
+    <p:sldId id="297" r:id="rId24"/>
+    <p:sldId id="280" r:id="rId25"/>
   </p:sldIdLst>
   <p:sldSz cx="12192000" cy="6858000"/>
   <p:notesSz cx="6858000" cy="9144000"/>
@@ -10334,25 +10335,7 @@
                 </a:solidFill>
                 <a:latin typeface="+mj-lt"/>
               </a:rPr>
-              <a:t>Intermediate</a:t>
-            </a:r>
-            <a:r>
-              <a:rPr lang="en-US" sz="3600" b="1" dirty="0" smtClean="0">
-                <a:solidFill>
-                  <a:schemeClr val="tx2"/>
-                </a:solidFill>
-                <a:latin typeface="+mj-lt"/>
-              </a:rPr>
-              <a:t> </a:t>
-            </a:r>
-            <a:r>
-              <a:rPr lang="en-US" sz="3600" b="1" dirty="0" smtClean="0">
-                <a:solidFill>
-                  <a:schemeClr val="tx2"/>
-                </a:solidFill>
-                <a:latin typeface="+mj-lt"/>
-              </a:rPr>
-              <a:t>Conclusion</a:t>
+              <a:t>Intermediate Conclusion</a:t>
             </a:r>
             <a:endParaRPr lang="en-US" sz="3600" b="1" dirty="0">
               <a:solidFill>
@@ -10782,11 +10765,7 @@
               </a:r>
               <a:r>
                 <a:rPr lang="en-US" sz="1200" dirty="0"/>
-                <a:t>memory</a:t>
-              </a:r>
-              <a:r>
-                <a:rPr lang="en-US" sz="1200" dirty="0"/>
-                <a:t> </a:t>
+                <a:t>memory </a:t>
               </a:r>
               <a:endParaRPr lang="it-IT" sz="1200" dirty="0" smtClean="0">
                 <a:solidFill>
@@ -11124,8 +11103,8 @@
   <p:clrMapOvr>
     <a:masterClrMapping/>
   </p:clrMapOvr>
-  <mc:AlternateContent xmlns:mc="http://schemas.openxmlformats.org/markup-compatibility/2006">
-    <mc:Choice xmlns:p14="http://schemas.microsoft.com/office/powerpoint/2010/main" Requires="p14">
+  <mc:AlternateContent xmlns:mc="http://schemas.openxmlformats.org/markup-compatibility/2006" xmlns:p14="http://schemas.microsoft.com/office/powerpoint/2010/main">
+    <mc:Choice Requires="p14">
       <p:timing>
         <p:tnLst>
           <p:par>
@@ -11324,7 +11303,7 @@
         </p:tnLst>
       </p:timing>
     </mc:Choice>
-    <mc:Fallback>
+    <mc:Fallback xmlns="">
       <p:timing>
         <p:tnLst>
           <p:par>
@@ -16903,25 +16882,7 @@
                 </a:solidFill>
                 <a:latin typeface="+mj-lt"/>
               </a:rPr>
-              <a:t>Intermediate</a:t>
-            </a:r>
-            <a:r>
-              <a:rPr lang="en-US" sz="3600" b="1" dirty="0" smtClean="0">
-                <a:solidFill>
-                  <a:schemeClr val="tx2"/>
-                </a:solidFill>
-                <a:latin typeface="+mj-lt"/>
-              </a:rPr>
-              <a:t> </a:t>
-            </a:r>
-            <a:r>
-              <a:rPr lang="en-US" sz="3600" b="1" dirty="0" smtClean="0">
-                <a:solidFill>
-                  <a:schemeClr val="tx2"/>
-                </a:solidFill>
-                <a:latin typeface="+mj-lt"/>
-              </a:rPr>
-              <a:t>Conclusion</a:t>
+              <a:t>Intermediate Conclusion</a:t>
             </a:r>
             <a:endParaRPr lang="en-US" sz="3600" b="1" dirty="0">
               <a:solidFill>
@@ -17599,8 +17560,8 @@
   <p:clrMapOvr>
     <a:masterClrMapping/>
   </p:clrMapOvr>
-  <mc:AlternateContent xmlns:mc="http://schemas.openxmlformats.org/markup-compatibility/2006">
-    <mc:Choice xmlns:p14="http://schemas.microsoft.com/office/powerpoint/2010/main" Requires="p14">
+  <mc:AlternateContent xmlns:mc="http://schemas.openxmlformats.org/markup-compatibility/2006" xmlns:p14="http://schemas.microsoft.com/office/powerpoint/2010/main">
+    <mc:Choice Requires="p14">
       <p:timing>
         <p:tnLst>
           <p:par>
@@ -17726,7 +17687,7 @@
         </p:tnLst>
       </p:timing>
     </mc:Choice>
-    <mc:Fallback>
+    <mc:Fallback xmlns="">
       <p:timing>
         <p:tnLst>
           <p:par>
@@ -18631,11 +18592,7 @@
             </a:r>
             <a:r>
               <a:rPr lang="en-US" sz="1400" dirty="0"/>
-              <a:t> &amp; Petty, 1982, p. </a:t>
-            </a:r>
-            <a:r>
-              <a:rPr lang="en-US" sz="1400" dirty="0"/>
-              <a:t>116). </a:t>
+              <a:t> &amp; Petty, 1982, p. 116). </a:t>
             </a:r>
             <a:r>
               <a:rPr lang="en-US" sz="1400" dirty="0" err="1" smtClean="0"/>
@@ -18794,12 +18751,6 @@
               </a:rPr>
               <a:t>NFC</a:t>
             </a:r>
-            <a:endParaRPr lang="en-US" sz="3600" b="1" dirty="0" smtClean="0">
-              <a:solidFill>
-                <a:schemeClr val="tx2"/>
-              </a:solidFill>
-              <a:latin typeface="+mj-lt"/>
-            </a:endParaRPr>
           </a:p>
         </p:txBody>
       </p:sp>
@@ -19118,8 +19069,8 @@
   <p:clrMapOvr>
     <a:masterClrMapping/>
   </p:clrMapOvr>
-  <mc:AlternateContent xmlns:mc="http://schemas.openxmlformats.org/markup-compatibility/2006">
-    <mc:Choice xmlns:p14="http://schemas.microsoft.com/office/powerpoint/2010/main" Requires="p14">
+  <mc:AlternateContent xmlns:mc="http://schemas.openxmlformats.org/markup-compatibility/2006" xmlns:p14="http://schemas.microsoft.com/office/powerpoint/2010/main">
+    <mc:Choice Requires="p14">
       <p:timing>
         <p:tnLst>
           <p:par>
@@ -19248,7 +19199,7 @@
         </p:bldLst>
       </p:timing>
     </mc:Choice>
-    <mc:Fallback>
+    <mc:Fallback xmlns="">
       <p:timing>
         <p:tnLst>
           <p:par>
@@ -20793,10 +20744,10 @@
         </p:nvGrpSpPr>
         <p:grpSpPr>
           <a:xfrm>
-            <a:off x="273538" y="1632009"/>
-            <a:ext cx="11160370" cy="4979805"/>
+            <a:off x="367322" y="1632010"/>
+            <a:ext cx="8167077" cy="4878206"/>
             <a:chOff x="7141678" y="2286741"/>
-            <a:chExt cx="4212122" cy="5583117"/>
+            <a:chExt cx="4212122" cy="3787531"/>
           </a:xfrm>
         </p:grpSpPr>
         <p:sp>
@@ -20808,7 +20759,7 @@
           <p:spPr>
             <a:xfrm>
               <a:off x="7335909" y="2301570"/>
-              <a:ext cx="4017891" cy="5568288"/>
+              <a:ext cx="4017891" cy="3772702"/>
             </a:xfrm>
             <a:prstGeom prst="rect">
               <a:avLst/>
@@ -20923,7 +20874,15 @@
               </a:r>
               <a:r>
                 <a:rPr lang="en-US" dirty="0"/>
-                <a:t>were less likely to conduct a thorough search of their own memory before opting to rely on Google </a:t>
+                <a:t>were less likely to conduct a </a:t>
+              </a:r>
+              <a:r>
+                <a:rPr lang="en-US" dirty="0" smtClean="0"/>
+                <a:t>through </a:t>
+              </a:r>
+              <a:r>
+                <a:rPr lang="en-US" dirty="0"/>
+                <a:t>search of their own memory before opting to rely on Google </a:t>
               </a:r>
               <a:r>
                 <a:rPr lang="en-US" dirty="0" smtClean="0"/>
@@ -20931,7 +20890,998 @@
               </a:r>
               <a:r>
                 <a:rPr lang="en-US" dirty="0"/>
-                <a:t>the answer. Consistent with this possibility is </a:t>
+                <a:t>the </a:t>
+              </a:r>
+              <a:r>
+                <a:rPr lang="en-US" dirty="0" smtClean="0"/>
+                <a:t>answer</a:t>
+              </a:r>
+              <a:endParaRPr lang="it-IT" sz="1200" dirty="0" smtClean="0">
+                <a:solidFill>
+                  <a:schemeClr val="tx2"/>
+                </a:solidFill>
+              </a:endParaRPr>
+            </a:p>
+          </p:txBody>
+        </p:sp>
+        <p:sp>
+          <p:nvSpPr>
+            <p:cNvPr id="38" name="Freeform 119"/>
+            <p:cNvSpPr>
+              <a:spLocks noEditPoints="1"/>
+            </p:cNvSpPr>
+            <p:nvPr/>
+          </p:nvSpPr>
+          <p:spPr bwMode="auto">
+            <a:xfrm>
+              <a:off x="7141678" y="2286741"/>
+              <a:ext cx="194230" cy="240059"/>
+            </a:xfrm>
+            <a:custGeom>
+              <a:avLst/>
+              <a:gdLst>
+                <a:gd name="T0" fmla="*/ 141288 w 41"/>
+                <a:gd name="T1" fmla="*/ 160929 h 51"/>
+                <a:gd name="T2" fmla="*/ 127504 w 41"/>
+                <a:gd name="T3" fmla="*/ 174625 h 51"/>
+                <a:gd name="T4" fmla="*/ 10338 w 41"/>
+                <a:gd name="T5" fmla="*/ 174625 h 51"/>
+                <a:gd name="T6" fmla="*/ 0 w 41"/>
+                <a:gd name="T7" fmla="*/ 160929 h 51"/>
+                <a:gd name="T8" fmla="*/ 0 w 41"/>
+                <a:gd name="T9" fmla="*/ 92449 h 51"/>
+                <a:gd name="T10" fmla="*/ 10338 w 41"/>
+                <a:gd name="T11" fmla="*/ 78752 h 51"/>
+                <a:gd name="T12" fmla="*/ 13784 w 41"/>
+                <a:gd name="T13" fmla="*/ 78752 h 51"/>
+                <a:gd name="T14" fmla="*/ 13784 w 41"/>
+                <a:gd name="T15" fmla="*/ 54784 h 51"/>
+                <a:gd name="T16" fmla="*/ 68921 w 41"/>
+                <a:gd name="T17" fmla="*/ 0 h 51"/>
+                <a:gd name="T18" fmla="*/ 124058 w 41"/>
+                <a:gd name="T19" fmla="*/ 54784 h 51"/>
+                <a:gd name="T20" fmla="*/ 124058 w 41"/>
+                <a:gd name="T21" fmla="*/ 78752 h 51"/>
+                <a:gd name="T22" fmla="*/ 127504 w 41"/>
+                <a:gd name="T23" fmla="*/ 78752 h 51"/>
+                <a:gd name="T24" fmla="*/ 141288 w 41"/>
+                <a:gd name="T25" fmla="*/ 92449 h 51"/>
+                <a:gd name="T26" fmla="*/ 141288 w 41"/>
+                <a:gd name="T27" fmla="*/ 160929 h 51"/>
+                <a:gd name="T28" fmla="*/ 99935 w 41"/>
+                <a:gd name="T29" fmla="*/ 78752 h 51"/>
+                <a:gd name="T30" fmla="*/ 99935 w 41"/>
+                <a:gd name="T31" fmla="*/ 54784 h 51"/>
+                <a:gd name="T32" fmla="*/ 68921 w 41"/>
+                <a:gd name="T33" fmla="*/ 23968 h 51"/>
+                <a:gd name="T34" fmla="*/ 37907 w 41"/>
+                <a:gd name="T35" fmla="*/ 54784 h 51"/>
+                <a:gd name="T36" fmla="*/ 37907 w 41"/>
+                <a:gd name="T37" fmla="*/ 78752 h 51"/>
+                <a:gd name="T38" fmla="*/ 99935 w 41"/>
+                <a:gd name="T39" fmla="*/ 78752 h 51"/>
+                <a:gd name="T40" fmla="*/ 0 60000 65536"/>
+                <a:gd name="T41" fmla="*/ 0 60000 65536"/>
+                <a:gd name="T42" fmla="*/ 0 60000 65536"/>
+                <a:gd name="T43" fmla="*/ 0 60000 65536"/>
+                <a:gd name="T44" fmla="*/ 0 60000 65536"/>
+                <a:gd name="T45" fmla="*/ 0 60000 65536"/>
+                <a:gd name="T46" fmla="*/ 0 60000 65536"/>
+                <a:gd name="T47" fmla="*/ 0 60000 65536"/>
+                <a:gd name="T48" fmla="*/ 0 60000 65536"/>
+                <a:gd name="T49" fmla="*/ 0 60000 65536"/>
+                <a:gd name="T50" fmla="*/ 0 60000 65536"/>
+                <a:gd name="T51" fmla="*/ 0 60000 65536"/>
+                <a:gd name="T52" fmla="*/ 0 60000 65536"/>
+                <a:gd name="T53" fmla="*/ 0 60000 65536"/>
+                <a:gd name="T54" fmla="*/ 0 60000 65536"/>
+                <a:gd name="T55" fmla="*/ 0 60000 65536"/>
+                <a:gd name="T56" fmla="*/ 0 60000 65536"/>
+                <a:gd name="T57" fmla="*/ 0 60000 65536"/>
+                <a:gd name="T58" fmla="*/ 0 60000 65536"/>
+                <a:gd name="T59" fmla="*/ 0 60000 65536"/>
+              </a:gdLst>
+              <a:ahLst/>
+              <a:cxnLst>
+                <a:cxn ang="T40">
+                  <a:pos x="T0" y="T1"/>
+                </a:cxn>
+                <a:cxn ang="T41">
+                  <a:pos x="T2" y="T3"/>
+                </a:cxn>
+                <a:cxn ang="T42">
+                  <a:pos x="T4" y="T5"/>
+                </a:cxn>
+                <a:cxn ang="T43">
+                  <a:pos x="T6" y="T7"/>
+                </a:cxn>
+                <a:cxn ang="T44">
+                  <a:pos x="T8" y="T9"/>
+                </a:cxn>
+                <a:cxn ang="T45">
+                  <a:pos x="T10" y="T11"/>
+                </a:cxn>
+                <a:cxn ang="T46">
+                  <a:pos x="T12" y="T13"/>
+                </a:cxn>
+                <a:cxn ang="T47">
+                  <a:pos x="T14" y="T15"/>
+                </a:cxn>
+                <a:cxn ang="T48">
+                  <a:pos x="T16" y="T17"/>
+                </a:cxn>
+                <a:cxn ang="T49">
+                  <a:pos x="T18" y="T19"/>
+                </a:cxn>
+                <a:cxn ang="T50">
+                  <a:pos x="T20" y="T21"/>
+                </a:cxn>
+                <a:cxn ang="T51">
+                  <a:pos x="T22" y="T23"/>
+                </a:cxn>
+                <a:cxn ang="T52">
+                  <a:pos x="T24" y="T25"/>
+                </a:cxn>
+                <a:cxn ang="T53">
+                  <a:pos x="T26" y="T27"/>
+                </a:cxn>
+                <a:cxn ang="T54">
+                  <a:pos x="T28" y="T29"/>
+                </a:cxn>
+                <a:cxn ang="T55">
+                  <a:pos x="T30" y="T31"/>
+                </a:cxn>
+                <a:cxn ang="T56">
+                  <a:pos x="T32" y="T33"/>
+                </a:cxn>
+                <a:cxn ang="T57">
+                  <a:pos x="T34" y="T35"/>
+                </a:cxn>
+                <a:cxn ang="T58">
+                  <a:pos x="T36" y="T37"/>
+                </a:cxn>
+                <a:cxn ang="T59">
+                  <a:pos x="T38" y="T39"/>
+                </a:cxn>
+              </a:cxnLst>
+              <a:rect l="0" t="0" r="r" b="b"/>
+              <a:pathLst>
+                <a:path w="41" h="51">
+                  <a:moveTo>
+                    <a:pt x="41" y="47"/>
+                  </a:moveTo>
+                  <a:cubicBezTo>
+                    <a:pt x="41" y="49"/>
+                    <a:pt x="39" y="51"/>
+                    <a:pt x="37" y="51"/>
+                  </a:cubicBezTo>
+                  <a:cubicBezTo>
+                    <a:pt x="3" y="51"/>
+                    <a:pt x="3" y="51"/>
+                    <a:pt x="3" y="51"/>
+                  </a:cubicBezTo>
+                  <a:cubicBezTo>
+                    <a:pt x="1" y="51"/>
+                    <a:pt x="0" y="49"/>
+                    <a:pt x="0" y="47"/>
+                  </a:cubicBezTo>
+                  <a:cubicBezTo>
+                    <a:pt x="0" y="27"/>
+                    <a:pt x="0" y="27"/>
+                    <a:pt x="0" y="27"/>
+                  </a:cubicBezTo>
+                  <a:cubicBezTo>
+                    <a:pt x="0" y="25"/>
+                    <a:pt x="1" y="23"/>
+                    <a:pt x="3" y="23"/>
+                  </a:cubicBezTo>
+                  <a:cubicBezTo>
+                    <a:pt x="4" y="23"/>
+                    <a:pt x="4" y="23"/>
+                    <a:pt x="4" y="23"/>
+                  </a:cubicBezTo>
+                  <a:cubicBezTo>
+                    <a:pt x="4" y="16"/>
+                    <a:pt x="4" y="16"/>
+                    <a:pt x="4" y="16"/>
+                  </a:cubicBezTo>
+                  <a:cubicBezTo>
+                    <a:pt x="4" y="8"/>
+                    <a:pt x="12" y="0"/>
+                    <a:pt x="20" y="0"/>
+                  </a:cubicBezTo>
+                  <a:cubicBezTo>
+                    <a:pt x="29" y="0"/>
+                    <a:pt x="36" y="8"/>
+                    <a:pt x="36" y="16"/>
+                  </a:cubicBezTo>
+                  <a:cubicBezTo>
+                    <a:pt x="36" y="23"/>
+                    <a:pt x="36" y="23"/>
+                    <a:pt x="36" y="23"/>
+                  </a:cubicBezTo>
+                  <a:cubicBezTo>
+                    <a:pt x="37" y="23"/>
+                    <a:pt x="37" y="23"/>
+                    <a:pt x="37" y="23"/>
+                  </a:cubicBezTo>
+                  <a:cubicBezTo>
+                    <a:pt x="39" y="23"/>
+                    <a:pt x="41" y="25"/>
+                    <a:pt x="41" y="27"/>
+                  </a:cubicBezTo>
+                  <a:lnTo>
+                    <a:pt x="41" y="47"/>
+                  </a:lnTo>
+                  <a:close/>
+                  <a:moveTo>
+                    <a:pt x="29" y="23"/>
+                  </a:moveTo>
+                  <a:cubicBezTo>
+                    <a:pt x="29" y="16"/>
+                    <a:pt x="29" y="16"/>
+                    <a:pt x="29" y="16"/>
+                  </a:cubicBezTo>
+                  <a:cubicBezTo>
+                    <a:pt x="29" y="11"/>
+                    <a:pt x="25" y="7"/>
+                    <a:pt x="20" y="7"/>
+                  </a:cubicBezTo>
+                  <a:cubicBezTo>
+                    <a:pt x="15" y="7"/>
+                    <a:pt x="11" y="11"/>
+                    <a:pt x="11" y="16"/>
+                  </a:cubicBezTo>
+                  <a:cubicBezTo>
+                    <a:pt x="11" y="23"/>
+                    <a:pt x="11" y="23"/>
+                    <a:pt x="11" y="23"/>
+                  </a:cubicBezTo>
+                  <a:lnTo>
+                    <a:pt x="29" y="23"/>
+                  </a:lnTo>
+                  <a:close/>
+                </a:path>
+              </a:pathLst>
+            </a:custGeom>
+            <a:solidFill>
+              <a:schemeClr val="bg1"/>
+            </a:solidFill>
+            <a:ln>
+              <a:noFill/>
+            </a:ln>
+            <a:extLst/>
+          </p:spPr>
+          <p:txBody>
+            <a:bodyPr/>
+            <a:lstStyle/>
+            <a:p>
+              <a:endParaRPr lang="en-US"/>
+            </a:p>
+          </p:txBody>
+        </p:sp>
+      </p:grpSp>
+      <p:pic>
+        <p:nvPicPr>
+          <p:cNvPr id="27" name="Picture 2" descr="Google's New Logo: The Reason Behind It - ABC News"/>
+          <p:cNvPicPr>
+            <a:picLocks noChangeAspect="1" noChangeArrowheads="1"/>
+          </p:cNvPicPr>
+          <p:nvPr/>
+        </p:nvPicPr>
+        <p:blipFill>
+          <a:blip r:embed="rId2" cstate="print">
+            <a:extLst>
+              <a:ext uri="{28A0092B-C50C-407E-A947-70E740481C1C}">
+                <a14:useLocalDpi xmlns:a14="http://schemas.microsoft.com/office/drawing/2010/main" val="0"/>
+              </a:ext>
+            </a:extLst>
+          </a:blip>
+          <a:srcRect/>
+          <a:stretch>
+            <a:fillRect/>
+          </a:stretch>
+        </p:blipFill>
+        <p:spPr bwMode="auto">
+          <a:xfrm>
+            <a:off x="0" y="26488"/>
+            <a:ext cx="1750647" cy="984739"/>
+          </a:xfrm>
+          <a:prstGeom prst="rect">
+            <a:avLst/>
+          </a:prstGeom>
+          <a:noFill/>
+          <a:extLst>
+            <a:ext uri="{909E8E84-426E-40DD-AFC4-6F175D3DCCD1}">
+              <a14:hiddenFill xmlns:a14="http://schemas.microsoft.com/office/drawing/2010/main">
+                <a:solidFill>
+                  <a:srgbClr val="FFFFFF"/>
+                </a:solidFill>
+              </a14:hiddenFill>
+            </a:ext>
+          </a:extLst>
+        </p:spPr>
+      </p:pic>
+      <p:pic>
+        <p:nvPicPr>
+          <p:cNvPr id="1028" name="Picture 4" descr="Brain And Keyboard Draw Icon. Big Idea Creativity Imagination.. Royalty  Free Cliparts, Vectors, And Stock Illustration. Image 65581767."/>
+          <p:cNvPicPr>
+            <a:picLocks noChangeAspect="1" noChangeArrowheads="1"/>
+          </p:cNvPicPr>
+          <p:nvPr/>
+        </p:nvPicPr>
+        <p:blipFill>
+          <a:blip r:embed="rId3" cstate="print">
+            <a:extLst>
+              <a:ext uri="{28A0092B-C50C-407E-A947-70E740481C1C}">
+                <a14:useLocalDpi xmlns:a14="http://schemas.microsoft.com/office/drawing/2010/main" val="0"/>
+              </a:ext>
+            </a:extLst>
+          </a:blip>
+          <a:srcRect/>
+          <a:stretch>
+            <a:fillRect/>
+          </a:stretch>
+        </p:blipFill>
+        <p:spPr bwMode="auto">
+          <a:xfrm>
+            <a:off x="8609743" y="2559594"/>
+            <a:ext cx="2868979" cy="2868979"/>
+          </a:xfrm>
+          <a:prstGeom prst="rect">
+            <a:avLst/>
+          </a:prstGeom>
+          <a:noFill/>
+          <a:extLst>
+            <a:ext uri="{909E8E84-426E-40DD-AFC4-6F175D3DCCD1}">
+              <a14:hiddenFill xmlns:a14="http://schemas.microsoft.com/office/drawing/2010/main">
+                <a:solidFill>
+                  <a:srgbClr val="FFFFFF"/>
+                </a:solidFill>
+              </a14:hiddenFill>
+            </a:ext>
+          </a:extLst>
+        </p:spPr>
+      </p:pic>
+    </p:spTree>
+    <p:extLst>
+      <p:ext uri="{BB962C8B-B14F-4D97-AF65-F5344CB8AC3E}">
+        <p14:creationId xmlns:p14="http://schemas.microsoft.com/office/powerpoint/2010/main" val="2103411779"/>
+      </p:ext>
+    </p:extLst>
+  </p:cSld>
+  <p:clrMapOvr>
+    <a:masterClrMapping/>
+  </p:clrMapOvr>
+  <mc:AlternateContent xmlns:mc="http://schemas.openxmlformats.org/markup-compatibility/2006" xmlns:p14="http://schemas.microsoft.com/office/powerpoint/2010/main">
+    <mc:Choice Requires="p14">
+      <p:timing>
+        <p:tnLst>
+          <p:par>
+            <p:cTn id="1" dur="indefinite" restart="never" nodeType="tmRoot">
+              <p:childTnLst>
+                <p:seq concurrent="1" nextAc="seek">
+                  <p:cTn id="2" dur="indefinite" nodeType="mainSeq">
+                    <p:childTnLst>
+                      <p:par>
+                        <p:cTn id="3" fill="hold">
+                          <p:stCondLst>
+                            <p:cond delay="indefinite"/>
+                            <p:cond evt="onBegin" delay="0">
+                              <p:tn val="2"/>
+                            </p:cond>
+                          </p:stCondLst>
+                          <p:childTnLst>
+                            <p:par>
+                              <p:cTn id="4" fill="hold">
+                                <p:stCondLst>
+                                  <p:cond delay="0"/>
+                                </p:stCondLst>
+                                <p:childTnLst>
+                                  <p:par>
+                                    <p:cTn id="5" presetID="2" presetClass="entr" presetSubtype="4" fill="hold" nodeType="afterEffect" p14:presetBounceEnd="50667">
+                                      <p:stCondLst>
+                                        <p:cond delay="0"/>
+                                      </p:stCondLst>
+                                      <p:childTnLst>
+                                        <p:set>
+                                          <p:cBhvr>
+                                            <p:cTn id="6" dur="1" fill="hold">
+                                              <p:stCondLst>
+                                                <p:cond delay="0"/>
+                                              </p:stCondLst>
+                                            </p:cTn>
+                                            <p:tgtEl>
+                                              <p:spTgt spid="6"/>
+                                            </p:tgtEl>
+                                            <p:attrNameLst>
+                                              <p:attrName>style.visibility</p:attrName>
+                                            </p:attrNameLst>
+                                          </p:cBhvr>
+                                          <p:to>
+                                            <p:strVal val="visible"/>
+                                          </p:to>
+                                        </p:set>
+                                        <p:anim calcmode="lin" valueType="num" p14:bounceEnd="50667">
+                                          <p:cBhvr additive="base">
+                                            <p:cTn id="7" dur="750" fill="hold"/>
+                                            <p:tgtEl>
+                                              <p:spTgt spid="6"/>
+                                            </p:tgtEl>
+                                            <p:attrNameLst>
+                                              <p:attrName>ppt_x</p:attrName>
+                                            </p:attrNameLst>
+                                          </p:cBhvr>
+                                          <p:tavLst>
+                                            <p:tav tm="0">
+                                              <p:val>
+                                                <p:strVal val="#ppt_x"/>
+                                              </p:val>
+                                            </p:tav>
+                                            <p:tav tm="100000">
+                                              <p:val>
+                                                <p:strVal val="#ppt_x"/>
+                                              </p:val>
+                                            </p:tav>
+                                          </p:tavLst>
+                                        </p:anim>
+                                        <p:anim calcmode="lin" valueType="num" p14:bounceEnd="50667">
+                                          <p:cBhvr additive="base">
+                                            <p:cTn id="8" dur="750" fill="hold"/>
+                                            <p:tgtEl>
+                                              <p:spTgt spid="6"/>
+                                            </p:tgtEl>
+                                            <p:attrNameLst>
+                                              <p:attrName>ppt_y</p:attrName>
+                                            </p:attrNameLst>
+                                          </p:cBhvr>
+                                          <p:tavLst>
+                                            <p:tav tm="0">
+                                              <p:val>
+                                                <p:strVal val="1+#ppt_h/2"/>
+                                              </p:val>
+                                            </p:tav>
+                                            <p:tav tm="100000">
+                                              <p:val>
+                                                <p:strVal val="#ppt_y"/>
+                                              </p:val>
+                                            </p:tav>
+                                          </p:tavLst>
+                                        </p:anim>
+                                      </p:childTnLst>
+                                    </p:cTn>
+                                  </p:par>
+                                </p:childTnLst>
+                              </p:cTn>
+                            </p:par>
+                          </p:childTnLst>
+                        </p:cTn>
+                      </p:par>
+                    </p:childTnLst>
+                  </p:cTn>
+                  <p:prevCondLst>
+                    <p:cond evt="onPrev" delay="0">
+                      <p:tgtEl>
+                        <p:sldTgt/>
+                      </p:tgtEl>
+                    </p:cond>
+                  </p:prevCondLst>
+                  <p:nextCondLst>
+                    <p:cond evt="onNext" delay="0">
+                      <p:tgtEl>
+                        <p:sldTgt/>
+                      </p:tgtEl>
+                    </p:cond>
+                  </p:nextCondLst>
+                </p:seq>
+              </p:childTnLst>
+            </p:cTn>
+          </p:par>
+        </p:tnLst>
+      </p:timing>
+    </mc:Choice>
+    <mc:Fallback xmlns="">
+      <p:timing>
+        <p:tnLst>
+          <p:par>
+            <p:cTn id="1" dur="indefinite" restart="never" nodeType="tmRoot">
+              <p:childTnLst>
+                <p:seq concurrent="1" nextAc="seek">
+                  <p:cTn id="2" dur="indefinite" nodeType="mainSeq">
+                    <p:childTnLst>
+                      <p:par>
+                        <p:cTn id="3" fill="hold">
+                          <p:stCondLst>
+                            <p:cond delay="indefinite"/>
+                            <p:cond evt="onBegin" delay="0">
+                              <p:tn val="2"/>
+                            </p:cond>
+                          </p:stCondLst>
+                          <p:childTnLst>
+                            <p:par>
+                              <p:cTn id="4" fill="hold">
+                                <p:stCondLst>
+                                  <p:cond delay="0"/>
+                                </p:stCondLst>
+                                <p:childTnLst>
+                                  <p:par>
+                                    <p:cTn id="5" presetID="2" presetClass="entr" presetSubtype="4" fill="hold" nodeType="afterEffect">
+                                      <p:stCondLst>
+                                        <p:cond delay="0"/>
+                                      </p:stCondLst>
+                                      <p:childTnLst>
+                                        <p:set>
+                                          <p:cBhvr>
+                                            <p:cTn id="6" dur="1" fill="hold">
+                                              <p:stCondLst>
+                                                <p:cond delay="0"/>
+                                              </p:stCondLst>
+                                            </p:cTn>
+                                            <p:tgtEl>
+                                              <p:spTgt spid="6"/>
+                                            </p:tgtEl>
+                                            <p:attrNameLst>
+                                              <p:attrName>style.visibility</p:attrName>
+                                            </p:attrNameLst>
+                                          </p:cBhvr>
+                                          <p:to>
+                                            <p:strVal val="visible"/>
+                                          </p:to>
+                                        </p:set>
+                                        <p:anim calcmode="lin" valueType="num">
+                                          <p:cBhvr additive="base">
+                                            <p:cTn id="7" dur="750" fill="hold"/>
+                                            <p:tgtEl>
+                                              <p:spTgt spid="6"/>
+                                            </p:tgtEl>
+                                            <p:attrNameLst>
+                                              <p:attrName>ppt_x</p:attrName>
+                                            </p:attrNameLst>
+                                          </p:cBhvr>
+                                          <p:tavLst>
+                                            <p:tav tm="0">
+                                              <p:val>
+                                                <p:strVal val="#ppt_x"/>
+                                              </p:val>
+                                            </p:tav>
+                                            <p:tav tm="100000">
+                                              <p:val>
+                                                <p:strVal val="#ppt_x"/>
+                                              </p:val>
+                                            </p:tav>
+                                          </p:tavLst>
+                                        </p:anim>
+                                        <p:anim calcmode="lin" valueType="num">
+                                          <p:cBhvr additive="base">
+                                            <p:cTn id="8" dur="750" fill="hold"/>
+                                            <p:tgtEl>
+                                              <p:spTgt spid="6"/>
+                                            </p:tgtEl>
+                                            <p:attrNameLst>
+                                              <p:attrName>ppt_y</p:attrName>
+                                            </p:attrNameLst>
+                                          </p:cBhvr>
+                                          <p:tavLst>
+                                            <p:tav tm="0">
+                                              <p:val>
+                                                <p:strVal val="1+#ppt_h/2"/>
+                                              </p:val>
+                                            </p:tav>
+                                            <p:tav tm="100000">
+                                              <p:val>
+                                                <p:strVal val="#ppt_y"/>
+                                              </p:val>
+                                            </p:tav>
+                                          </p:tavLst>
+                                        </p:anim>
+                                      </p:childTnLst>
+                                    </p:cTn>
+                                  </p:par>
+                                </p:childTnLst>
+                              </p:cTn>
+                            </p:par>
+                          </p:childTnLst>
+                        </p:cTn>
+                      </p:par>
+                    </p:childTnLst>
+                  </p:cTn>
+                  <p:prevCondLst>
+                    <p:cond evt="onPrev" delay="0">
+                      <p:tgtEl>
+                        <p:sldTgt/>
+                      </p:tgtEl>
+                    </p:cond>
+                  </p:prevCondLst>
+                  <p:nextCondLst>
+                    <p:cond evt="onNext" delay="0">
+                      <p:tgtEl>
+                        <p:sldTgt/>
+                      </p:tgtEl>
+                    </p:cond>
+                  </p:nextCondLst>
+                </p:seq>
+              </p:childTnLst>
+            </p:cTn>
+          </p:par>
+        </p:tnLst>
+      </p:timing>
+    </mc:Fallback>
+  </mc:AlternateContent>
+</p:sld>
+</file>
+
+<file path=ppt/slides/slide23.xml><?xml version="1.0" encoding="utf-8"?>
+<p:sld xmlns:a="http://schemas.openxmlformats.org/drawingml/2006/main" xmlns:r="http://schemas.openxmlformats.org/officeDocument/2006/relationships" xmlns:p="http://schemas.openxmlformats.org/presentationml/2006/main">
+  <p:cSld>
+    <p:spTree>
+      <p:nvGrpSpPr>
+        <p:cNvPr id="1" name=""/>
+        <p:cNvGrpSpPr/>
+        <p:nvPr/>
+      </p:nvGrpSpPr>
+      <p:grpSpPr>
+        <a:xfrm>
+          <a:off x="0" y="0"/>
+          <a:ext cx="0" cy="0"/>
+          <a:chOff x="0" y="0"/>
+          <a:chExt cx="0" cy="0"/>
+        </a:xfrm>
+      </p:grpSpPr>
+      <p:sp>
+        <p:nvSpPr>
+          <p:cNvPr id="39" name="TextBox 38"/>
+          <p:cNvSpPr txBox="1"/>
+          <p:nvPr/>
+        </p:nvSpPr>
+        <p:spPr>
+          <a:xfrm>
+            <a:off x="838200" y="614904"/>
+            <a:ext cx="10515600" cy="646331"/>
+          </a:xfrm>
+          <a:prstGeom prst="rect">
+            <a:avLst/>
+          </a:prstGeom>
+          <a:noFill/>
+        </p:spPr>
+        <p:txBody>
+          <a:bodyPr wrap="square" rtlCol="0">
+            <a:spAutoFit/>
+          </a:bodyPr>
+          <a:lstStyle/>
+          <a:p>
+            <a:pPr algn="ctr"/>
+            <a:r>
+              <a:rPr lang="en-US" sz="3600" b="1" dirty="0" smtClean="0">
+                <a:solidFill>
+                  <a:schemeClr val="tx2"/>
+                </a:solidFill>
+                <a:latin typeface="+mj-lt"/>
+              </a:rPr>
+              <a:t>Conclusion</a:t>
+            </a:r>
+            <a:endParaRPr lang="en-US" sz="3600" b="1" dirty="0">
+              <a:solidFill>
+                <a:schemeClr val="tx2"/>
+              </a:solidFill>
+              <a:latin typeface="+mj-lt"/>
+            </a:endParaRPr>
+          </a:p>
+        </p:txBody>
+      </p:sp>
+      <p:grpSp>
+        <p:nvGrpSpPr>
+          <p:cNvPr id="41" name="Group 40"/>
+          <p:cNvGrpSpPr/>
+          <p:nvPr/>
+        </p:nvGrpSpPr>
+        <p:grpSpPr>
+          <a:xfrm>
+            <a:off x="5738132" y="1235687"/>
+            <a:ext cx="715736" cy="87086"/>
+            <a:chOff x="5738133" y="1142444"/>
+            <a:chExt cx="715736" cy="87086"/>
+          </a:xfrm>
+        </p:grpSpPr>
+        <p:sp>
+          <p:nvSpPr>
+            <p:cNvPr id="42" name="Oval 41"/>
+            <p:cNvSpPr/>
+            <p:nvPr/>
+          </p:nvSpPr>
+          <p:spPr>
+            <a:xfrm>
+              <a:off x="5738133" y="1142444"/>
+              <a:ext cx="87086" cy="87086"/>
+            </a:xfrm>
+            <a:prstGeom prst="ellipse">
+              <a:avLst/>
+            </a:prstGeom>
+            <a:ln>
+              <a:noFill/>
+            </a:ln>
+          </p:spPr>
+          <p:style>
+            <a:lnRef idx="2">
+              <a:schemeClr val="accent1">
+                <a:shade val="50000"/>
+              </a:schemeClr>
+            </a:lnRef>
+            <a:fillRef idx="1">
+              <a:schemeClr val="accent1"/>
+            </a:fillRef>
+            <a:effectRef idx="0">
+              <a:schemeClr val="accent1"/>
+            </a:effectRef>
+            <a:fontRef idx="minor">
+              <a:schemeClr val="lt1"/>
+            </a:fontRef>
+          </p:style>
+          <p:txBody>
+            <a:bodyPr rot="0" spcFirstLastPara="0" vertOverflow="overflow" horzOverflow="overflow" vert="horz" wrap="square" lIns="91440" tIns="45720" rIns="91440" bIns="45720" numCol="1" spcCol="0" rtlCol="0" fromWordArt="0" anchor="ctr" anchorCtr="0" forceAA="0" compatLnSpc="1">
+              <a:prstTxWarp prst="textNoShape">
+                <a:avLst/>
+              </a:prstTxWarp>
+              <a:noAutofit/>
+            </a:bodyPr>
+            <a:lstStyle/>
+            <a:p>
+              <a:pPr algn="ctr"/>
+              <a:endParaRPr lang="en-US"/>
+            </a:p>
+          </p:txBody>
+        </p:sp>
+        <p:sp>
+          <p:nvSpPr>
+            <p:cNvPr id="43" name="Oval 42"/>
+            <p:cNvSpPr/>
+            <p:nvPr/>
+          </p:nvSpPr>
+          <p:spPr>
+            <a:xfrm>
+              <a:off x="5895295" y="1142444"/>
+              <a:ext cx="87086" cy="87086"/>
+            </a:xfrm>
+            <a:prstGeom prst="ellipse">
+              <a:avLst/>
+            </a:prstGeom>
+            <a:solidFill>
+              <a:schemeClr val="accent2"/>
+            </a:solidFill>
+            <a:ln>
+              <a:noFill/>
+            </a:ln>
+          </p:spPr>
+          <p:style>
+            <a:lnRef idx="2">
+              <a:schemeClr val="accent1">
+                <a:shade val="50000"/>
+              </a:schemeClr>
+            </a:lnRef>
+            <a:fillRef idx="1">
+              <a:schemeClr val="accent1"/>
+            </a:fillRef>
+            <a:effectRef idx="0">
+              <a:schemeClr val="accent1"/>
+            </a:effectRef>
+            <a:fontRef idx="minor">
+              <a:schemeClr val="lt1"/>
+            </a:fontRef>
+          </p:style>
+          <p:txBody>
+            <a:bodyPr rot="0" spcFirstLastPara="0" vertOverflow="overflow" horzOverflow="overflow" vert="horz" wrap="square" lIns="91440" tIns="45720" rIns="91440" bIns="45720" numCol="1" spcCol="0" rtlCol="0" fromWordArt="0" anchor="ctr" anchorCtr="0" forceAA="0" compatLnSpc="1">
+              <a:prstTxWarp prst="textNoShape">
+                <a:avLst/>
+              </a:prstTxWarp>
+              <a:noAutofit/>
+            </a:bodyPr>
+            <a:lstStyle/>
+            <a:p>
+              <a:pPr algn="ctr"/>
+              <a:endParaRPr lang="en-US"/>
+            </a:p>
+          </p:txBody>
+        </p:sp>
+        <p:sp>
+          <p:nvSpPr>
+            <p:cNvPr id="44" name="Oval 43"/>
+            <p:cNvSpPr/>
+            <p:nvPr/>
+          </p:nvSpPr>
+          <p:spPr>
+            <a:xfrm>
+              <a:off x="6052457" y="1142444"/>
+              <a:ext cx="87086" cy="87086"/>
+            </a:xfrm>
+            <a:prstGeom prst="ellipse">
+              <a:avLst/>
+            </a:prstGeom>
+            <a:solidFill>
+              <a:schemeClr val="accent3"/>
+            </a:solidFill>
+            <a:ln>
+              <a:noFill/>
+            </a:ln>
+          </p:spPr>
+          <p:style>
+            <a:lnRef idx="2">
+              <a:schemeClr val="accent1">
+                <a:shade val="50000"/>
+              </a:schemeClr>
+            </a:lnRef>
+            <a:fillRef idx="1">
+              <a:schemeClr val="accent1"/>
+            </a:fillRef>
+            <a:effectRef idx="0">
+              <a:schemeClr val="accent1"/>
+            </a:effectRef>
+            <a:fontRef idx="minor">
+              <a:schemeClr val="lt1"/>
+            </a:fontRef>
+          </p:style>
+          <p:txBody>
+            <a:bodyPr rot="0" spcFirstLastPara="0" vertOverflow="overflow" horzOverflow="overflow" vert="horz" wrap="square" lIns="91440" tIns="45720" rIns="91440" bIns="45720" numCol="1" spcCol="0" rtlCol="0" fromWordArt="0" anchor="ctr" anchorCtr="0" forceAA="0" compatLnSpc="1">
+              <a:prstTxWarp prst="textNoShape">
+                <a:avLst/>
+              </a:prstTxWarp>
+              <a:noAutofit/>
+            </a:bodyPr>
+            <a:lstStyle/>
+            <a:p>
+              <a:pPr algn="ctr"/>
+              <a:endParaRPr lang="en-US"/>
+            </a:p>
+          </p:txBody>
+        </p:sp>
+        <p:sp>
+          <p:nvSpPr>
+            <p:cNvPr id="45" name="Oval 44"/>
+            <p:cNvSpPr/>
+            <p:nvPr/>
+          </p:nvSpPr>
+          <p:spPr>
+            <a:xfrm>
+              <a:off x="6209619" y="1142444"/>
+              <a:ext cx="87086" cy="87086"/>
+            </a:xfrm>
+            <a:prstGeom prst="ellipse">
+              <a:avLst/>
+            </a:prstGeom>
+            <a:solidFill>
+              <a:schemeClr val="accent4"/>
+            </a:solidFill>
+            <a:ln>
+              <a:noFill/>
+            </a:ln>
+          </p:spPr>
+          <p:style>
+            <a:lnRef idx="2">
+              <a:schemeClr val="accent1">
+                <a:shade val="50000"/>
+              </a:schemeClr>
+            </a:lnRef>
+            <a:fillRef idx="1">
+              <a:schemeClr val="accent1"/>
+            </a:fillRef>
+            <a:effectRef idx="0">
+              <a:schemeClr val="accent1"/>
+            </a:effectRef>
+            <a:fontRef idx="minor">
+              <a:schemeClr val="lt1"/>
+            </a:fontRef>
+          </p:style>
+          <p:txBody>
+            <a:bodyPr rot="0" spcFirstLastPara="0" vertOverflow="overflow" horzOverflow="overflow" vert="horz" wrap="square" lIns="91440" tIns="45720" rIns="91440" bIns="45720" numCol="1" spcCol="0" rtlCol="0" fromWordArt="0" anchor="ctr" anchorCtr="0" forceAA="0" compatLnSpc="1">
+              <a:prstTxWarp prst="textNoShape">
+                <a:avLst/>
+              </a:prstTxWarp>
+              <a:noAutofit/>
+            </a:bodyPr>
+            <a:lstStyle/>
+            <a:p>
+              <a:pPr algn="ctr"/>
+              <a:endParaRPr lang="en-US"/>
+            </a:p>
+          </p:txBody>
+        </p:sp>
+        <p:sp>
+          <p:nvSpPr>
+            <p:cNvPr id="46" name="Oval 45"/>
+            <p:cNvSpPr/>
+            <p:nvPr/>
+          </p:nvSpPr>
+          <p:spPr>
+            <a:xfrm>
+              <a:off x="6366783" y="1142444"/>
+              <a:ext cx="87086" cy="87086"/>
+            </a:xfrm>
+            <a:prstGeom prst="ellipse">
+              <a:avLst/>
+            </a:prstGeom>
+            <a:solidFill>
+              <a:schemeClr val="accent5"/>
+            </a:solidFill>
+            <a:ln>
+              <a:noFill/>
+            </a:ln>
+          </p:spPr>
+          <p:style>
+            <a:lnRef idx="2">
+              <a:schemeClr val="accent1">
+                <a:shade val="50000"/>
+              </a:schemeClr>
+            </a:lnRef>
+            <a:fillRef idx="1">
+              <a:schemeClr val="accent1"/>
+            </a:fillRef>
+            <a:effectRef idx="0">
+              <a:schemeClr val="accent1"/>
+            </a:effectRef>
+            <a:fontRef idx="minor">
+              <a:schemeClr val="lt1"/>
+            </a:fontRef>
+          </p:style>
+          <p:txBody>
+            <a:bodyPr rot="0" spcFirstLastPara="0" vertOverflow="overflow" horzOverflow="overflow" vert="horz" wrap="square" lIns="91440" tIns="45720" rIns="91440" bIns="45720" numCol="1" spcCol="0" rtlCol="0" fromWordArt="0" anchor="ctr" anchorCtr="0" forceAA="0" compatLnSpc="1">
+              <a:prstTxWarp prst="textNoShape">
+                <a:avLst/>
+              </a:prstTxWarp>
+              <a:noAutofit/>
+            </a:bodyPr>
+            <a:lstStyle/>
+            <a:p>
+              <a:pPr algn="ctr"/>
+              <a:endParaRPr lang="en-US"/>
+            </a:p>
+          </p:txBody>
+        </p:sp>
+      </p:grpSp>
+      <p:grpSp>
+        <p:nvGrpSpPr>
+          <p:cNvPr id="6" name="Group 5"/>
+          <p:cNvGrpSpPr/>
+          <p:nvPr/>
+        </p:nvGrpSpPr>
+        <p:grpSpPr>
+          <a:xfrm>
+            <a:off x="273538" y="1632009"/>
+            <a:ext cx="11160370" cy="1716257"/>
+            <a:chOff x="7141678" y="2286741"/>
+            <a:chExt cx="4212122" cy="1924184"/>
+          </a:xfrm>
+        </p:grpSpPr>
+        <p:sp>
+          <p:nvSpPr>
+            <p:cNvPr id="25" name="Rectangle 24"/>
+            <p:cNvSpPr/>
+            <p:nvPr/>
+          </p:nvSpPr>
+          <p:spPr>
+            <a:xfrm>
+              <a:off x="7335909" y="2301570"/>
+              <a:ext cx="4017891" cy="1909355"/>
+            </a:xfrm>
+            <a:prstGeom prst="rect">
+              <a:avLst/>
+            </a:prstGeom>
+          </p:spPr>
+          <p:txBody>
+            <a:bodyPr wrap="square">
+              <a:spAutoFit/>
+            </a:bodyPr>
+            <a:lstStyle/>
+            <a:p>
+              <a:pPr algn="just">
+                <a:lnSpc>
+                  <a:spcPct val="150000"/>
+                </a:lnSpc>
+              </a:pPr>
+              <a:r>
+                <a:rPr lang="en-US" dirty="0" smtClean="0"/>
+                <a:t>Consistent </a:t>
+              </a:r>
+              <a:r>
+                <a:rPr lang="en-US" dirty="0"/>
+                <a:t>with this possibility is </a:t>
               </a:r>
               <a:r>
                 <a:rPr lang="en-US" dirty="0" smtClean="0"/>
@@ -21294,7 +22244,7 @@
     </p:spTree>
     <p:extLst>
       <p:ext uri="{BB962C8B-B14F-4D97-AF65-F5344CB8AC3E}">
-        <p14:creationId xmlns:p14="http://schemas.microsoft.com/office/powerpoint/2010/main" val="2103411779"/>
+        <p14:creationId xmlns:p14="http://schemas.microsoft.com/office/powerpoint/2010/main" val="1850716070"/>
       </p:ext>
     </p:extLst>
   </p:cSld>
@@ -21558,7 +22508,7 @@
 </p:sld>
 </file>
 
-<file path=ppt/slides/slide23.xml><?xml version="1.0" encoding="utf-8"?>
+<file path=ppt/slides/slide24.xml><?xml version="1.0" encoding="utf-8"?>
 <p:sld xmlns:a="http://schemas.openxmlformats.org/drawingml/2006/main" xmlns:r="http://schemas.openxmlformats.org/officeDocument/2006/relationships" xmlns:p="http://schemas.openxmlformats.org/presentationml/2006/main">
   <p:cSld>
     <p:spTree>
@@ -27273,75 +28223,7 @@
               </a:pPr>
               <a:r>
                 <a:rPr lang="en-US" sz="1600" dirty="0"/>
-                <a:t>16 </a:t>
-              </a:r>
-              <a:r>
-                <a:rPr lang="en-US" sz="1600" dirty="0"/>
-                <a:t>trivia questions on the topics </a:t>
-              </a:r>
-              <a:r>
-                <a:rPr lang="en-US" sz="1600" dirty="0"/>
-                <a:t>of history</a:t>
-              </a:r>
-              <a:r>
-                <a:rPr lang="en-US" sz="1600" dirty="0"/>
-                <a:t>, sports, and pop </a:t>
-              </a:r>
-              <a:r>
-                <a:rPr lang="en-US" sz="1600" dirty="0"/>
-                <a:t>culture. Eight </a:t>
-              </a:r>
-              <a:r>
-                <a:rPr lang="en-US" sz="1600" dirty="0"/>
-                <a:t>questions were </a:t>
-              </a:r>
-              <a:r>
-                <a:rPr lang="en-US" sz="1600" dirty="0"/>
-                <a:t>chosen to be relatively </a:t>
-              </a:r>
-              <a:r>
-                <a:rPr lang="en-US" sz="1600" dirty="0"/>
-                <a:t>difficult (answerable by some but not </a:t>
-              </a:r>
-              <a:r>
-                <a:rPr lang="en-US" sz="1600" dirty="0"/>
-                <a:t>most participants </a:t>
-              </a:r>
-              <a:r>
-                <a:rPr lang="en-US" sz="1600" dirty="0"/>
-                <a:t>without the help of the Internet; e.g., “What </a:t>
-              </a:r>
-              <a:r>
-                <a:rPr lang="en-US" sz="1600" dirty="0"/>
-                <a:t>did King </a:t>
-              </a:r>
-              <a:r>
-                <a:rPr lang="en-US" sz="1600" dirty="0"/>
-                <a:t>John sign in 1215?”), whereas the other eight </a:t>
-              </a:r>
-              <a:r>
-                <a:rPr lang="en-US" sz="1600" dirty="0"/>
-                <a:t>were chosen </a:t>
-              </a:r>
-              <a:r>
-                <a:rPr lang="en-US" sz="1600" dirty="0"/>
-                <a:t>to be relatively </a:t>
-              </a:r>
-              <a:r>
-                <a:rPr lang="en-US" sz="1600" dirty="0"/>
-                <a:t>easy (answerable </a:t>
-              </a:r>
-              <a:r>
-                <a:rPr lang="en-US" sz="1600" dirty="0"/>
-                <a:t>by most participants without the help of the Internet; “What is </a:t>
-              </a:r>
-              <a:r>
-                <a:rPr lang="en-US" sz="1600" dirty="0"/>
-                <a:t>the center </a:t>
-              </a:r>
-              <a:r>
-                <a:rPr lang="en-US" sz="1600" dirty="0"/>
-                <a:t>of a hurricane called?”). </a:t>
+                <a:t>16 trivia questions on the topics of history, sports, and pop culture. Eight questions were chosen to be relatively difficult (answerable by some but not most participants without the help of the Internet; e.g., “What did King John sign in 1215?”), whereas the other eight were chosen to be relatively easy (answerable by most participants without the help of the Internet; “What is the center of a hurricane called?”). </a:t>
               </a:r>
               <a:endParaRPr lang="it-IT" sz="1600" dirty="0"/>
             </a:p>
@@ -28205,30 +29087,14 @@
             </a:r>
             <a:r>
               <a:rPr lang="en-US" sz="1400" dirty="0"/>
-              <a:t>P</a:t>
-            </a:r>
-            <a:r>
-              <a:rPr lang="en-US" sz="1400" dirty="0"/>
-              <a:t>articipants </a:t>
-            </a:r>
-            <a:r>
-              <a:rPr lang="en-US" sz="1400" dirty="0"/>
-              <a:t>in the Internet and Memory</a:t>
+              <a:t>Participants in the Internet and Memory</a:t>
             </a:r>
             <a:br>
               <a:rPr lang="en-US" sz="1400" dirty="0"/>
             </a:br>
             <a:r>
               <a:rPr lang="en-US" sz="1400" dirty="0"/>
-              <a:t>conditions were asked </a:t>
-            </a:r>
-            <a:r>
-              <a:rPr lang="en-US" sz="1400" dirty="0"/>
-              <a:t>the eight difficult </a:t>
-            </a:r>
-            <a:r>
-              <a:rPr lang="en-US" sz="1400" dirty="0"/>
-              <a:t>trivia </a:t>
+              <a:t>conditions were asked the eight difficult trivia </a:t>
             </a:r>
             <a:r>
               <a:rPr lang="en-US" sz="1400" dirty="0" smtClean="0"/>
@@ -28236,15 +29102,7 @@
             </a:r>
             <a:r>
               <a:rPr lang="en-US" sz="1400" dirty="0"/>
-              <a:t>in the Baseline </a:t>
-            </a:r>
-            <a:r>
-              <a:rPr lang="en-US" sz="1400" dirty="0"/>
-              <a:t>condition </a:t>
-            </a:r>
-            <a:r>
-              <a:rPr lang="en-US" sz="1400" dirty="0"/>
-              <a:t>were not asked </a:t>
+              <a:t>in the Baseline condition were not asked </a:t>
             </a:r>
             <a:r>
               <a:rPr lang="en-US" sz="1400" dirty="0" smtClean="0"/>
@@ -28252,43 +29110,7 @@
             </a:r>
             <a:r>
               <a:rPr lang="en-US" sz="1400" dirty="0"/>
-              <a:t>questions. </a:t>
-            </a:r>
-            <a:r>
-              <a:rPr lang="en-US" sz="1400" dirty="0"/>
-              <a:t>The participants</a:t>
-            </a:r>
-            <a:r>
-              <a:rPr lang="en-US" sz="1400" dirty="0"/>
-              <a:t> </a:t>
-            </a:r>
-            <a:r>
-              <a:rPr lang="en-US" sz="1400" dirty="0"/>
-              <a:t>instructed </a:t>
-            </a:r>
-            <a:r>
-              <a:rPr lang="en-US" sz="1400" dirty="0"/>
-              <a:t>to respond as quickly and as accurately as possible. Participants in the Internet condition were told to </a:t>
-            </a:r>
-            <a:r>
-              <a:rPr lang="en-US" sz="1400" dirty="0"/>
-              <a:t>use Google </a:t>
-            </a:r>
-            <a:r>
-              <a:rPr lang="en-US" sz="1400" dirty="0"/>
-              <a:t>Search to answer each question. They were told </a:t>
-            </a:r>
-            <a:r>
-              <a:rPr lang="en-US" sz="1400" dirty="0"/>
-              <a:t>to do </a:t>
-            </a:r>
-            <a:r>
-              <a:rPr lang="en-US" sz="1400" dirty="0"/>
-              <a:t>this even if they thought they knew the answer. </a:t>
-            </a:r>
-            <a:r>
-              <a:rPr lang="en-US" sz="1400" dirty="0"/>
-              <a:t>Participants in the Memory condition were given the </a:t>
+              <a:t>questions. The participants instructed to respond as quickly and as accurately as possible. Participants in the Internet condition were told to use Google Search to answer each question. They were told to do this even if they thought they knew the answer. Participants in the Memory condition were given the </a:t>
             </a:r>
             <a:r>
               <a:rPr lang="en-US" sz="1400" dirty="0" smtClean="0"/>
@@ -28350,11 +29172,7 @@
             </a:r>
             <a:r>
               <a:rPr lang="en-US" sz="1400" dirty="0"/>
-              <a:t>Followed </a:t>
-            </a:r>
-            <a:r>
-              <a:rPr lang="en-US" sz="1400" dirty="0"/>
-              <a:t>immediately after the first,</a:t>
+              <a:t>Followed immediately after the first,</a:t>
             </a:r>
             <a:br>
               <a:rPr lang="en-US" sz="1400" dirty="0"/>
@@ -28375,53 +29193,8 @@
             </a:br>
             <a:r>
               <a:rPr lang="en-US" sz="1400" dirty="0"/>
-              <a:t>loud and participants were instructed to answer each question as quickly and as accurately as possible. Unlike in </a:t>
+              <a:t>loud and participants were instructed to answer each question as quickly and as accurately as possible. Unlike in the first phase, participants were now given the option of using Google to find the answer to each question. They were told that although they were allowed to use Google, they were not required to use Google. In other words, it was up to them to determine whether they would answer a given. </a:t>
             </a:r>
-            <a:r>
-              <a:rPr lang="en-US" sz="1400" dirty="0"/>
-              <a:t>the first </a:t>
-            </a:r>
-            <a:r>
-              <a:rPr lang="en-US" sz="1400" dirty="0"/>
-              <a:t>phase, participants were now given the option of </a:t>
-            </a:r>
-            <a:r>
-              <a:rPr lang="en-US" sz="1400" dirty="0"/>
-              <a:t>using Google </a:t>
-            </a:r>
-            <a:r>
-              <a:rPr lang="en-US" sz="1400" dirty="0"/>
-              <a:t>to find the answer to each question. They were </a:t>
-            </a:r>
-            <a:r>
-              <a:rPr lang="en-US" sz="1400" dirty="0"/>
-              <a:t>told that </a:t>
-            </a:r>
-            <a:r>
-              <a:rPr lang="en-US" sz="1400" dirty="0"/>
-              <a:t>although they were allowed to use Google, they </a:t>
-            </a:r>
-            <a:r>
-              <a:rPr lang="en-US" sz="1400" dirty="0"/>
-              <a:t>were not </a:t>
-            </a:r>
-            <a:r>
-              <a:rPr lang="en-US" sz="1400" dirty="0"/>
-              <a:t>required to use Google. In other words, it was up </a:t>
-            </a:r>
-            <a:r>
-              <a:rPr lang="en-US" sz="1400" dirty="0"/>
-              <a:t>to them </a:t>
-            </a:r>
-            <a:r>
-              <a:rPr lang="en-US" sz="1400" dirty="0"/>
-              <a:t>to determine whether they would answer a </a:t>
-            </a:r>
-            <a:r>
-              <a:rPr lang="en-US" sz="1400" dirty="0"/>
-              <a:t>given. </a:t>
-            </a:r>
-            <a:endParaRPr lang="en-US" sz="1400" dirty="0"/>
           </a:p>
         </p:txBody>
       </p:sp>
